--- a/Clean_Architecture.pptx
+++ b/Clean_Architecture.pptx
@@ -27,8 +27,8 @@
     <p:sldId id="374" r:id="rId15"/>
     <p:sldId id="386" r:id="rId16"/>
     <p:sldId id="379" r:id="rId17"/>
-    <p:sldId id="380" r:id="rId18"/>
-    <p:sldId id="400" r:id="rId19"/>
+    <p:sldId id="400" r:id="rId18"/>
+    <p:sldId id="380" r:id="rId19"/>
     <p:sldId id="368" r:id="rId20"/>
     <p:sldId id="378" r:id="rId21"/>
     <p:sldId id="373" r:id="rId22"/>
@@ -9379,17 +9379,17 @@
           </a:ln>
           <a:extLst>
             <a:ext uri="{FAA26D3D-D897-4be2-8F04-BA451C77F1D7}">
-              <ma14:placeholderFlag xmlns="" xmlns:ma14="http://schemas.microsoft.com/office/mac/drawingml/2011/main" val="1"/>
+              <ma14:placeholderFlag xmlns:ma14="http://schemas.microsoft.com/office/mac/drawingml/2011/main" xmlns="" val="1"/>
             </a:ext>
             <a:ext uri="{909E8E84-426E-40dd-AFC4-6F175D3DCCD1}">
-              <a14:hiddenFill xmlns:a14="http://schemas.microsoft.com/office/drawing/2010/main" xmlns="">
+              <a14:hiddenFill xmlns="" xmlns:a14="http://schemas.microsoft.com/office/drawing/2010/main">
                 <a:solidFill>
                   <a:srgbClr val="FFFFFF"/>
                 </a:solidFill>
               </a14:hiddenFill>
             </a:ext>
             <a:ext uri="{91240B29-F687-4f45-9708-019B960494DF}">
-              <a14:hiddenLine xmlns:a14="http://schemas.microsoft.com/office/drawing/2010/main" xmlns="" w="9525">
+              <a14:hiddenLine xmlns="" xmlns:a14="http://schemas.microsoft.com/office/drawing/2010/main" w="9525">
                 <a:solidFill>
                   <a:srgbClr val="000000"/>
                 </a:solidFill>
@@ -9440,17 +9440,17 @@
           </a:ln>
           <a:extLst>
             <a:ext uri="{FAA26D3D-D897-4be2-8F04-BA451C77F1D7}">
-              <ma14:placeholderFlag xmlns="" xmlns:ma14="http://schemas.microsoft.com/office/mac/drawingml/2011/main" val="1"/>
+              <ma14:placeholderFlag xmlns:ma14="http://schemas.microsoft.com/office/mac/drawingml/2011/main" xmlns="" val="1"/>
             </a:ext>
             <a:ext uri="{909E8E84-426E-40dd-AFC4-6F175D3DCCD1}">
-              <a14:hiddenFill xmlns:a14="http://schemas.microsoft.com/office/drawing/2010/main" xmlns="">
+              <a14:hiddenFill xmlns="" xmlns:a14="http://schemas.microsoft.com/office/drawing/2010/main">
                 <a:solidFill>
                   <a:srgbClr val="FFFFFF"/>
                 </a:solidFill>
               </a14:hiddenFill>
             </a:ext>
             <a:ext uri="{91240B29-F687-4f45-9708-019B960494DF}">
-              <a14:hiddenLine xmlns:a14="http://schemas.microsoft.com/office/drawing/2010/main" xmlns="" w="9525">
+              <a14:hiddenLine xmlns="" xmlns:a14="http://schemas.microsoft.com/office/drawing/2010/main" w="9525">
                 <a:solidFill>
                   <a:srgbClr val="000000"/>
                 </a:solidFill>
@@ -11792,6 +11792,246 @@
           </a:p>
         </p:txBody>
       </p:sp>
+      <p:pic>
+        <p:nvPicPr>
+          <p:cNvPr id="1026" name="Picture 2" descr="Image result for stable dependencies">
+            <a:extLst>
+              <a:ext uri="{FF2B5EF4-FFF2-40B4-BE49-F238E27FC236}">
+                <a16:creationId xmlns:a16="http://schemas.microsoft.com/office/drawing/2014/main" id="{36611290-EAAA-4751-83C2-39045F3F6381}"/>
+              </a:ext>
+            </a:extLst>
+          </p:cNvPr>
+          <p:cNvPicPr>
+            <a:picLocks noChangeAspect="1" noChangeArrowheads="1"/>
+          </p:cNvPicPr>
+          <p:nvPr/>
+        </p:nvPicPr>
+        <p:blipFill>
+          <a:blip r:embed="rId2">
+            <a:extLst>
+              <a:ext uri="{28A0092B-C50C-407E-A947-70E740481C1C}">
+                <a14:useLocalDpi xmlns:a14="http://schemas.microsoft.com/office/drawing/2010/main" val="0"/>
+              </a:ext>
+            </a:extLst>
+          </a:blip>
+          <a:srcRect/>
+          <a:stretch>
+            <a:fillRect/>
+          </a:stretch>
+        </p:blipFill>
+        <p:spPr bwMode="auto">
+          <a:xfrm>
+            <a:off x="2819400" y="1123950"/>
+            <a:ext cx="3810000" cy="3810000"/>
+          </a:xfrm>
+          <a:prstGeom prst="rect">
+            <a:avLst/>
+          </a:prstGeom>
+          <a:noFill/>
+          <a:extLst>
+            <a:ext uri="{909E8E84-426E-40DD-AFC4-6F175D3DCCD1}">
+              <a14:hiddenFill xmlns:a14="http://schemas.microsoft.com/office/drawing/2010/main">
+                <a:solidFill>
+                  <a:srgbClr val="FFFFFF"/>
+                </a:solidFill>
+              </a14:hiddenFill>
+            </a:ext>
+          </a:extLst>
+        </p:spPr>
+      </p:pic>
+    </p:spTree>
+    <p:extLst>
+      <p:ext uri="{BB962C8B-B14F-4D97-AF65-F5344CB8AC3E}">
+        <p14:creationId xmlns:p14="http://schemas.microsoft.com/office/powerpoint/2010/main" val="2497480594"/>
+      </p:ext>
+    </p:extLst>
+  </p:cSld>
+  <p:clrMapOvr>
+    <a:masterClrMapping/>
+  </p:clrMapOvr>
+  <p:transition spd="slow">
+    <p:push dir="u"/>
+  </p:transition>
+</p:sld>
+</file>
+
+<file path=ppt/slides/slide17.xml><?xml version="1.0" encoding="utf-8"?>
+<p:sld xmlns:a="http://schemas.openxmlformats.org/drawingml/2006/main" xmlns:r="http://schemas.openxmlformats.org/officeDocument/2006/relationships" xmlns:p="http://schemas.openxmlformats.org/presentationml/2006/main">
+  <p:cSld>
+    <p:bg>
+      <p:bgPr>
+        <a:solidFill>
+          <a:schemeClr val="bg1"/>
+        </a:solidFill>
+        <a:effectLst/>
+      </p:bgPr>
+    </p:bg>
+    <p:spTree>
+      <p:nvGrpSpPr>
+        <p:cNvPr id="1" name=""/>
+        <p:cNvGrpSpPr/>
+        <p:nvPr/>
+      </p:nvGrpSpPr>
+      <p:grpSpPr>
+        <a:xfrm>
+          <a:off x="0" y="0"/>
+          <a:ext cx="0" cy="0"/>
+          <a:chOff x="0" y="0"/>
+          <a:chExt cx="0" cy="0"/>
+        </a:xfrm>
+      </p:grpSpPr>
+      <p:sp>
+        <p:nvSpPr>
+          <p:cNvPr id="9" name="Rectangle 8">
+            <a:extLst>
+              <a:ext uri="{FF2B5EF4-FFF2-40B4-BE49-F238E27FC236}">
+                <a16:creationId xmlns:a16="http://schemas.microsoft.com/office/drawing/2014/main" id="{A4AC5506-6312-4701-8D3C-40187889A947}"/>
+              </a:ext>
+              <a:ext uri="{C183D7F6-B498-43B3-948B-1728B52AA6E4}">
+                <adec:decorative xmlns:adec="http://schemas.microsoft.com/office/drawing/2017/decorative" val="1"/>
+              </a:ext>
+            </a:extLst>
+          </p:cNvPr>
+          <p:cNvSpPr>
+            <a:spLocks noGrp="1" noRot="1" noChangeAspect="1" noMove="1" noResize="1" noEditPoints="1" noAdjustHandles="1" noChangeArrowheads="1" noChangeShapeType="1" noTextEdit="1"/>
+          </p:cNvSpPr>
+          <p:nvPr>
+            <p:extLst>
+              <p:ext uri="{386F3935-93C4-4BCD-93E2-E3B085C9AB24}">
+                <p16:designElem xmlns:p16="http://schemas.microsoft.com/office/powerpoint/2015/main" val="1"/>
+              </p:ext>
+            </p:extLst>
+          </p:nvPr>
+        </p:nvSpPr>
+        <p:spPr>
+          <a:xfrm>
+            <a:off x="0" y="488814"/>
+            <a:ext cx="9144000" cy="552413"/>
+          </a:xfrm>
+          <a:prstGeom prst="rect">
+            <a:avLst/>
+          </a:prstGeom>
+          <a:solidFill>
+            <a:schemeClr val="tx1"/>
+          </a:solidFill>
+          <a:ln>
+            <a:noFill/>
+          </a:ln>
+        </p:spPr>
+        <p:style>
+          <a:lnRef idx="2">
+            <a:schemeClr val="accent1">
+              <a:shade val="50000"/>
+            </a:schemeClr>
+          </a:lnRef>
+          <a:fillRef idx="1">
+            <a:schemeClr val="accent1"/>
+          </a:fillRef>
+          <a:effectRef idx="0">
+            <a:schemeClr val="accent1"/>
+          </a:effectRef>
+          <a:fontRef idx="minor">
+            <a:schemeClr val="lt1"/>
+          </a:fontRef>
+        </p:style>
+        <p:txBody>
+          <a:bodyPr rtlCol="0" anchor="ctr"/>
+          <a:lstStyle/>
+          <a:p>
+            <a:pPr algn="ctr"/>
+            <a:endParaRPr lang="en-US"/>
+          </a:p>
+        </p:txBody>
+      </p:sp>
+      <p:sp>
+        <p:nvSpPr>
+          <p:cNvPr id="4" name="Title 3"/>
+          <p:cNvSpPr>
+            <a:spLocks noGrp="1"/>
+          </p:cNvSpPr>
+          <p:nvPr>
+            <p:ph type="title"/>
+          </p:nvPr>
+        </p:nvSpPr>
+        <p:spPr>
+          <a:xfrm>
+            <a:off x="417399" y="482600"/>
+            <a:ext cx="8408193" cy="558627"/>
+          </a:xfrm>
+        </p:spPr>
+        <p:txBody>
+          <a:bodyPr vert="horz" lIns="91440" tIns="45720" rIns="91440" bIns="45720" rtlCol="0" anchor="ctr">
+            <a:normAutofit/>
+          </a:bodyPr>
+          <a:lstStyle/>
+          <a:p>
+            <a:pPr algn="ctr"/>
+            <a:r>
+              <a:rPr lang="pl-PL" sz="2400" kern="1200" dirty="0" err="1">
+                <a:solidFill>
+                  <a:schemeClr val="bg1"/>
+                </a:solidFill>
+                <a:latin typeface="+mj-lt"/>
+                <a:ea typeface="+mj-ea"/>
+                <a:cs typeface="+mj-cs"/>
+              </a:rPr>
+              <a:t>Stable</a:t>
+            </a:r>
+            <a:r>
+              <a:rPr lang="pl-PL" sz="2400" kern="1200" dirty="0">
+                <a:solidFill>
+                  <a:schemeClr val="bg1"/>
+                </a:solidFill>
+                <a:latin typeface="+mj-lt"/>
+                <a:ea typeface="+mj-ea"/>
+                <a:cs typeface="+mj-cs"/>
+              </a:rPr>
+              <a:t> </a:t>
+            </a:r>
+            <a:r>
+              <a:rPr lang="pl-PL" sz="2400" kern="1200" dirty="0" err="1">
+                <a:solidFill>
+                  <a:schemeClr val="bg1"/>
+                </a:solidFill>
+                <a:latin typeface="+mj-lt"/>
+                <a:ea typeface="+mj-ea"/>
+                <a:cs typeface="+mj-cs"/>
+              </a:rPr>
+              <a:t>Dependencies</a:t>
+            </a:r>
+            <a:r>
+              <a:rPr lang="pl-PL" sz="2400" kern="1200" dirty="0">
+                <a:solidFill>
+                  <a:schemeClr val="bg1"/>
+                </a:solidFill>
+                <a:latin typeface="+mj-lt"/>
+                <a:ea typeface="+mj-ea"/>
+                <a:cs typeface="+mj-cs"/>
+              </a:rPr>
+              <a:t> </a:t>
+            </a:r>
+            <a:r>
+              <a:rPr lang="pl-PL" sz="2400" kern="1200" dirty="0" err="1">
+                <a:solidFill>
+                  <a:schemeClr val="bg1"/>
+                </a:solidFill>
+                <a:latin typeface="+mj-lt"/>
+                <a:ea typeface="+mj-ea"/>
+                <a:cs typeface="+mj-cs"/>
+              </a:rPr>
+              <a:t>Principle</a:t>
+            </a:r>
+            <a:endParaRPr lang="en-US" sz="2400" kern="1200" dirty="0">
+              <a:solidFill>
+                <a:schemeClr val="bg1"/>
+              </a:solidFill>
+              <a:latin typeface="+mj-lt"/>
+              <a:ea typeface="+mj-ea"/>
+              <a:cs typeface="+mj-cs"/>
+            </a:endParaRPr>
+          </a:p>
+        </p:txBody>
+      </p:sp>
       <mc:AlternateContent xmlns:mc="http://schemas.openxmlformats.org/markup-compatibility/2006" xmlns:a14="http://schemas.microsoft.com/office/drawing/2010/main">
         <mc:Choice Requires="a14">
           <p:sp>
@@ -11935,246 +12175,6 @@
     <p:extLst>
       <p:ext uri="{BB962C8B-B14F-4D97-AF65-F5344CB8AC3E}">
         <p14:creationId xmlns:p14="http://schemas.microsoft.com/office/powerpoint/2010/main" val="329031479"/>
-      </p:ext>
-    </p:extLst>
-  </p:cSld>
-  <p:clrMapOvr>
-    <a:masterClrMapping/>
-  </p:clrMapOvr>
-  <p:transition spd="slow">
-    <p:push dir="u"/>
-  </p:transition>
-</p:sld>
-</file>
-
-<file path=ppt/slides/slide17.xml><?xml version="1.0" encoding="utf-8"?>
-<p:sld xmlns:a="http://schemas.openxmlformats.org/drawingml/2006/main" xmlns:r="http://schemas.openxmlformats.org/officeDocument/2006/relationships" xmlns:p="http://schemas.openxmlformats.org/presentationml/2006/main">
-  <p:cSld>
-    <p:bg>
-      <p:bgPr>
-        <a:solidFill>
-          <a:schemeClr val="bg1"/>
-        </a:solidFill>
-        <a:effectLst/>
-      </p:bgPr>
-    </p:bg>
-    <p:spTree>
-      <p:nvGrpSpPr>
-        <p:cNvPr id="1" name=""/>
-        <p:cNvGrpSpPr/>
-        <p:nvPr/>
-      </p:nvGrpSpPr>
-      <p:grpSpPr>
-        <a:xfrm>
-          <a:off x="0" y="0"/>
-          <a:ext cx="0" cy="0"/>
-          <a:chOff x="0" y="0"/>
-          <a:chExt cx="0" cy="0"/>
-        </a:xfrm>
-      </p:grpSpPr>
-      <p:sp>
-        <p:nvSpPr>
-          <p:cNvPr id="9" name="Rectangle 8">
-            <a:extLst>
-              <a:ext uri="{FF2B5EF4-FFF2-40B4-BE49-F238E27FC236}">
-                <a16:creationId xmlns:a16="http://schemas.microsoft.com/office/drawing/2014/main" id="{A4AC5506-6312-4701-8D3C-40187889A947}"/>
-              </a:ext>
-              <a:ext uri="{C183D7F6-B498-43B3-948B-1728B52AA6E4}">
-                <adec:decorative xmlns:adec="http://schemas.microsoft.com/office/drawing/2017/decorative" val="1"/>
-              </a:ext>
-            </a:extLst>
-          </p:cNvPr>
-          <p:cNvSpPr>
-            <a:spLocks noGrp="1" noRot="1" noChangeAspect="1" noMove="1" noResize="1" noEditPoints="1" noAdjustHandles="1" noChangeArrowheads="1" noChangeShapeType="1" noTextEdit="1"/>
-          </p:cNvSpPr>
-          <p:nvPr>
-            <p:extLst>
-              <p:ext uri="{386F3935-93C4-4BCD-93E2-E3B085C9AB24}">
-                <p16:designElem xmlns:p16="http://schemas.microsoft.com/office/powerpoint/2015/main" val="1"/>
-              </p:ext>
-            </p:extLst>
-          </p:nvPr>
-        </p:nvSpPr>
-        <p:spPr>
-          <a:xfrm>
-            <a:off x="0" y="488814"/>
-            <a:ext cx="9144000" cy="552413"/>
-          </a:xfrm>
-          <a:prstGeom prst="rect">
-            <a:avLst/>
-          </a:prstGeom>
-          <a:solidFill>
-            <a:schemeClr val="tx1"/>
-          </a:solidFill>
-          <a:ln>
-            <a:noFill/>
-          </a:ln>
-        </p:spPr>
-        <p:style>
-          <a:lnRef idx="2">
-            <a:schemeClr val="accent1">
-              <a:shade val="50000"/>
-            </a:schemeClr>
-          </a:lnRef>
-          <a:fillRef idx="1">
-            <a:schemeClr val="accent1"/>
-          </a:fillRef>
-          <a:effectRef idx="0">
-            <a:schemeClr val="accent1"/>
-          </a:effectRef>
-          <a:fontRef idx="minor">
-            <a:schemeClr val="lt1"/>
-          </a:fontRef>
-        </p:style>
-        <p:txBody>
-          <a:bodyPr rtlCol="0" anchor="ctr"/>
-          <a:lstStyle/>
-          <a:p>
-            <a:pPr algn="ctr"/>
-            <a:endParaRPr lang="en-US"/>
-          </a:p>
-        </p:txBody>
-      </p:sp>
-      <p:sp>
-        <p:nvSpPr>
-          <p:cNvPr id="4" name="Title 3"/>
-          <p:cNvSpPr>
-            <a:spLocks noGrp="1"/>
-          </p:cNvSpPr>
-          <p:nvPr>
-            <p:ph type="title"/>
-          </p:nvPr>
-        </p:nvSpPr>
-        <p:spPr>
-          <a:xfrm>
-            <a:off x="417399" y="482600"/>
-            <a:ext cx="8408193" cy="558627"/>
-          </a:xfrm>
-        </p:spPr>
-        <p:txBody>
-          <a:bodyPr vert="horz" lIns="91440" tIns="45720" rIns="91440" bIns="45720" rtlCol="0" anchor="ctr">
-            <a:normAutofit/>
-          </a:bodyPr>
-          <a:lstStyle/>
-          <a:p>
-            <a:pPr algn="ctr"/>
-            <a:r>
-              <a:rPr lang="pl-PL" sz="2400" kern="1200" dirty="0" err="1">
-                <a:solidFill>
-                  <a:schemeClr val="bg1"/>
-                </a:solidFill>
-                <a:latin typeface="+mj-lt"/>
-                <a:ea typeface="+mj-ea"/>
-                <a:cs typeface="+mj-cs"/>
-              </a:rPr>
-              <a:t>Stable</a:t>
-            </a:r>
-            <a:r>
-              <a:rPr lang="pl-PL" sz="2400" kern="1200" dirty="0">
-                <a:solidFill>
-                  <a:schemeClr val="bg1"/>
-                </a:solidFill>
-                <a:latin typeface="+mj-lt"/>
-                <a:ea typeface="+mj-ea"/>
-                <a:cs typeface="+mj-cs"/>
-              </a:rPr>
-              <a:t> </a:t>
-            </a:r>
-            <a:r>
-              <a:rPr lang="pl-PL" sz="2400" kern="1200" dirty="0" err="1">
-                <a:solidFill>
-                  <a:schemeClr val="bg1"/>
-                </a:solidFill>
-                <a:latin typeface="+mj-lt"/>
-                <a:ea typeface="+mj-ea"/>
-                <a:cs typeface="+mj-cs"/>
-              </a:rPr>
-              <a:t>Dependencies</a:t>
-            </a:r>
-            <a:r>
-              <a:rPr lang="pl-PL" sz="2400" kern="1200" dirty="0">
-                <a:solidFill>
-                  <a:schemeClr val="bg1"/>
-                </a:solidFill>
-                <a:latin typeface="+mj-lt"/>
-                <a:ea typeface="+mj-ea"/>
-                <a:cs typeface="+mj-cs"/>
-              </a:rPr>
-              <a:t> </a:t>
-            </a:r>
-            <a:r>
-              <a:rPr lang="pl-PL" sz="2400" kern="1200" dirty="0" err="1">
-                <a:solidFill>
-                  <a:schemeClr val="bg1"/>
-                </a:solidFill>
-                <a:latin typeface="+mj-lt"/>
-                <a:ea typeface="+mj-ea"/>
-                <a:cs typeface="+mj-cs"/>
-              </a:rPr>
-              <a:t>Principle</a:t>
-            </a:r>
-            <a:endParaRPr lang="en-US" sz="2400" kern="1200" dirty="0">
-              <a:solidFill>
-                <a:schemeClr val="bg1"/>
-              </a:solidFill>
-              <a:latin typeface="+mj-lt"/>
-              <a:ea typeface="+mj-ea"/>
-              <a:cs typeface="+mj-cs"/>
-            </a:endParaRPr>
-          </a:p>
-        </p:txBody>
-      </p:sp>
-      <p:pic>
-        <p:nvPicPr>
-          <p:cNvPr id="1026" name="Picture 2" descr="Image result for stable dependencies">
-            <a:extLst>
-              <a:ext uri="{FF2B5EF4-FFF2-40B4-BE49-F238E27FC236}">
-                <a16:creationId xmlns:a16="http://schemas.microsoft.com/office/drawing/2014/main" id="{36611290-EAAA-4751-83C2-39045F3F6381}"/>
-              </a:ext>
-            </a:extLst>
-          </p:cNvPr>
-          <p:cNvPicPr>
-            <a:picLocks noChangeAspect="1" noChangeArrowheads="1"/>
-          </p:cNvPicPr>
-          <p:nvPr/>
-        </p:nvPicPr>
-        <p:blipFill>
-          <a:blip r:embed="rId2">
-            <a:extLst>
-              <a:ext uri="{28A0092B-C50C-407E-A947-70E740481C1C}">
-                <a14:useLocalDpi xmlns:a14="http://schemas.microsoft.com/office/drawing/2010/main" val="0"/>
-              </a:ext>
-            </a:extLst>
-          </a:blip>
-          <a:srcRect/>
-          <a:stretch>
-            <a:fillRect/>
-          </a:stretch>
-        </p:blipFill>
-        <p:spPr bwMode="auto">
-          <a:xfrm>
-            <a:off x="2819400" y="1123950"/>
-            <a:ext cx="3810000" cy="3810000"/>
-          </a:xfrm>
-          <a:prstGeom prst="rect">
-            <a:avLst/>
-          </a:prstGeom>
-          <a:noFill/>
-          <a:extLst>
-            <a:ext uri="{909E8E84-426E-40DD-AFC4-6F175D3DCCD1}">
-              <a14:hiddenFill xmlns:a14="http://schemas.microsoft.com/office/drawing/2010/main">
-                <a:solidFill>
-                  <a:srgbClr val="FFFFFF"/>
-                </a:solidFill>
-              </a14:hiddenFill>
-            </a:ext>
-          </a:extLst>
-        </p:spPr>
-      </p:pic>
-    </p:spTree>
-    <p:extLst>
-      <p:ext uri="{BB962C8B-B14F-4D97-AF65-F5344CB8AC3E}">
-        <p14:creationId xmlns:p14="http://schemas.microsoft.com/office/powerpoint/2010/main" val="2497480594"/>
       </p:ext>
     </p:extLst>
   </p:cSld>
@@ -13636,19 +13636,7 @@
                             <a:rPr lang="pl-PL" sz="2800" b="0" i="1" smtClean="0">
                               <a:latin typeface="Cambria Math" panose="02040503050406030204" pitchFamily="18" charset="0"/>
                             </a:rPr>
-                            <m:t>𝐶</m:t>
-                          </m:r>
-                          <m:r>
-                            <a:rPr lang="pl-PL" sz="2800" i="1">
-                              <a:latin typeface="Cambria Math" panose="02040503050406030204" pitchFamily="18" charset="0"/>
-                            </a:rPr>
-                            <m:t>𝑜𝑛𝑐𝑟𝑒𝑡𝑖𝑧𝑎𝑡𝑖𝑜𝑛</m:t>
-                          </m:r>
-                          <m:r>
-                            <a:rPr lang="pl-PL" sz="2800" b="0" i="1" smtClean="0">
-                              <a:latin typeface="Cambria Math" panose="02040503050406030204" pitchFamily="18" charset="0"/>
-                            </a:rPr>
-                            <m:t>𝑠</m:t>
+                            <m:t>𝐶𝑙𝑎𝑠𝑠𝑒𝑠</m:t>
                           </m:r>
                         </m:den>
                       </m:f>
@@ -14051,7 +14039,7 @@
           </p:nvPr>
         </p:nvPicPr>
         <p:blipFill>
-          <a:blip r:embed="rId3">
+          <a:blip r:embed="rId3" cstate="email">
             <a:extLst>
               <a:ext uri="{28A0092B-C50C-407E-A947-70E740481C1C}">
                 <a14:useLocalDpi xmlns:a14="http://schemas.microsoft.com/office/drawing/2010/main" val="0"/>
@@ -15090,7 +15078,7 @@
           </p:nvPr>
         </p:nvPicPr>
         <p:blipFill>
-          <a:blip r:embed="rId3">
+          <a:blip r:embed="rId3" cstate="email">
             <a:extLst>
               <a:ext uri="{28A0092B-C50C-407E-A947-70E740481C1C}">
                 <a14:useLocalDpi xmlns:a14="http://schemas.microsoft.com/office/drawing/2010/main" val="0"/>
@@ -16589,7 +16577,7 @@
           <p:nvPr/>
         </p:nvPicPr>
         <p:blipFill>
-          <a:blip r:embed="rId2">
+          <a:blip r:embed="rId2" cstate="email">
             <a:extLst>
               <a:ext uri="{28A0092B-C50C-407E-A947-70E740481C1C}">
                 <a14:useLocalDpi xmlns:a14="http://schemas.microsoft.com/office/drawing/2010/main" val="0"/>

--- a/Clean_Architecture.pptx
+++ b/Clean_Architecture.pptx
@@ -13582,8 +13582,8 @@
             </p:nvSpPr>
             <p:spPr>
               <a:xfrm>
-                <a:off x="1905000" y="2325760"/>
-                <a:ext cx="5638800" cy="825226"/>
+                <a:off x="502104" y="2325760"/>
+                <a:ext cx="8139792" cy="825226"/>
               </a:xfrm>
               <a:prstGeom prst="rect">
                 <a:avLst/>
@@ -13636,7 +13636,19 @@
                             <a:rPr lang="pl-PL" sz="2800" b="0" i="1" smtClean="0">
                               <a:latin typeface="Cambria Math" panose="02040503050406030204" pitchFamily="18" charset="0"/>
                             </a:rPr>
-                            <m:t>𝐶𝑙𝑎𝑠𝑠𝑒𝑠</m:t>
+                            <m:t>𝐶𝑜𝑛𝑐𝑟𝑒𝑡𝑖𝑧𝑎𝑡𝑖𝑜𝑛𝑠</m:t>
+                          </m:r>
+                          <m:r>
+                            <a:rPr lang="pl-PL" sz="2800" b="0" i="1" smtClean="0">
+                              <a:latin typeface="Cambria Math" panose="02040503050406030204" pitchFamily="18" charset="0"/>
+                            </a:rPr>
+                            <m:t>+</m:t>
+                          </m:r>
+                          <m:r>
+                            <a:rPr lang="pl-PL" sz="2800" b="0" i="1" smtClean="0">
+                              <a:latin typeface="Cambria Math" panose="02040503050406030204" pitchFamily="18" charset="0"/>
+                            </a:rPr>
+                            <m:t>𝐴𝑏𝑠𝑡𝑟𝑎𝑐𝑡𝑖𝑜𝑛𝑠</m:t>
                           </m:r>
                         </m:den>
                       </m:f>
@@ -13665,8 +13677,8 @@
             </p:nvSpPr>
             <p:spPr>
               <a:xfrm>
-                <a:off x="1905000" y="2325760"/>
-                <a:ext cx="5638800" cy="825226"/>
+                <a:off x="502104" y="2325760"/>
+                <a:ext cx="8139792" cy="825226"/>
               </a:xfrm>
               <a:prstGeom prst="rect">
                 <a:avLst/>
